--- a/materials/slides/ch07.pptx
+++ b/materials/slides/ch07.pptx
@@ -933,9 +933,7 @@
             <p:ph type="sldImg"/>
           </p:nvPr>
         </p:nvSpPr>
-        <p:spPr>
-          <a:ln/>
-        </p:spPr>
+        <p:spPr/>
       </p:sp>
       <p:sp>
         <p:nvSpPr>
@@ -947,9 +945,7 @@
             <p:ph type="body"/>
           </p:nvPr>
         </p:nvSpPr>
-        <p:spPr>
-          <a:ln/>
-        </p:spPr>
+        <p:spPr/>
         <p:txBody>
           <a:bodyPr wrap="square" lIns="91428" tIns="45714" rIns="91428" bIns="45714" anchor="t"/>
           <a:p>
@@ -1038,9 +1034,7 @@
             <p:ph type="sldImg"/>
           </p:nvPr>
         </p:nvSpPr>
-        <p:spPr>
-          <a:ln/>
-        </p:spPr>
+        <p:spPr/>
       </p:sp>
       <p:sp>
         <p:nvSpPr>
@@ -1052,9 +1046,7 @@
             <p:ph type="body"/>
           </p:nvPr>
         </p:nvSpPr>
-        <p:spPr>
-          <a:ln/>
-        </p:spPr>
+        <p:spPr/>
         <p:txBody>
           <a:bodyPr wrap="square" lIns="91428" tIns="45714" rIns="91428" bIns="45714" anchor="t"/>
           <a:p>
@@ -1143,9 +1135,7 @@
             <p:ph type="sldImg"/>
           </p:nvPr>
         </p:nvSpPr>
-        <p:spPr>
-          <a:ln/>
-        </p:spPr>
+        <p:spPr/>
       </p:sp>
       <p:sp>
         <p:nvSpPr>
@@ -1157,9 +1147,7 @@
             <p:ph type="body"/>
           </p:nvPr>
         </p:nvSpPr>
-        <p:spPr>
-          <a:ln/>
-        </p:spPr>
+        <p:spPr/>
         <p:txBody>
           <a:bodyPr wrap="square" lIns="91428" tIns="45714" rIns="91428" bIns="45714" anchor="t"/>
           <a:p>
@@ -1248,9 +1236,7 @@
             <p:ph type="sldImg"/>
           </p:nvPr>
         </p:nvSpPr>
-        <p:spPr>
-          <a:ln/>
-        </p:spPr>
+        <p:spPr/>
       </p:sp>
       <p:sp>
         <p:nvSpPr>
@@ -1262,9 +1248,7 @@
             <p:ph type="body"/>
           </p:nvPr>
         </p:nvSpPr>
-        <p:spPr>
-          <a:ln/>
-        </p:spPr>
+        <p:spPr/>
         <p:txBody>
           <a:bodyPr wrap="square" lIns="91428" tIns="45714" rIns="91428" bIns="45714" anchor="t"/>
           <a:p>
@@ -1353,9 +1337,7 @@
             <p:ph type="sldImg"/>
           </p:nvPr>
         </p:nvSpPr>
-        <p:spPr>
-          <a:ln/>
-        </p:spPr>
+        <p:spPr/>
       </p:sp>
       <p:sp>
         <p:nvSpPr>
@@ -1367,9 +1349,7 @@
             <p:ph type="body"/>
           </p:nvPr>
         </p:nvSpPr>
-        <p:spPr>
-          <a:ln/>
-        </p:spPr>
+        <p:spPr/>
         <p:txBody>
           <a:bodyPr wrap="square" lIns="91428" tIns="45714" rIns="91428" bIns="45714" anchor="t"/>
           <a:p>
@@ -1458,9 +1438,7 @@
             <p:ph type="sldImg"/>
           </p:nvPr>
         </p:nvSpPr>
-        <p:spPr>
-          <a:ln/>
-        </p:spPr>
+        <p:spPr/>
       </p:sp>
       <p:sp>
         <p:nvSpPr>
@@ -1472,9 +1450,7 @@
             <p:ph type="body"/>
           </p:nvPr>
         </p:nvSpPr>
-        <p:spPr>
-          <a:ln/>
-        </p:spPr>
+        <p:spPr/>
         <p:txBody>
           <a:bodyPr wrap="square" lIns="91428" tIns="45714" rIns="91428" bIns="45714" anchor="t"/>
           <a:p>
@@ -1563,9 +1539,7 @@
             <p:ph type="sldImg"/>
           </p:nvPr>
         </p:nvSpPr>
-        <p:spPr>
-          <a:ln/>
-        </p:spPr>
+        <p:spPr/>
       </p:sp>
       <p:sp>
         <p:nvSpPr>
@@ -1577,9 +1551,7 @@
             <p:ph type="body"/>
           </p:nvPr>
         </p:nvSpPr>
-        <p:spPr>
-          <a:ln/>
-        </p:spPr>
+        <p:spPr/>
         <p:txBody>
           <a:bodyPr wrap="square" lIns="91428" tIns="45714" rIns="91428" bIns="45714" anchor="t"/>
           <a:p>
@@ -1668,9 +1640,7 @@
             <p:ph type="sldImg"/>
           </p:nvPr>
         </p:nvSpPr>
-        <p:spPr>
-          <a:ln/>
-        </p:spPr>
+        <p:spPr/>
       </p:sp>
       <p:sp>
         <p:nvSpPr>
@@ -1682,9 +1652,7 @@
             <p:ph type="body"/>
           </p:nvPr>
         </p:nvSpPr>
-        <p:spPr>
-          <a:ln/>
-        </p:spPr>
+        <p:spPr/>
         <p:txBody>
           <a:bodyPr wrap="square" lIns="91428" tIns="45714" rIns="91428" bIns="45714" anchor="t"/>
           <a:p>
@@ -1773,9 +1741,7 @@
             <p:ph type="sldImg"/>
           </p:nvPr>
         </p:nvSpPr>
-        <p:spPr>
-          <a:ln/>
-        </p:spPr>
+        <p:spPr/>
       </p:sp>
       <p:sp>
         <p:nvSpPr>
@@ -1787,9 +1753,7 @@
             <p:ph type="body"/>
           </p:nvPr>
         </p:nvSpPr>
-        <p:spPr>
-          <a:ln/>
-        </p:spPr>
+        <p:spPr/>
         <p:txBody>
           <a:bodyPr wrap="square" lIns="91428" tIns="45714" rIns="91428" bIns="45714" anchor="t"/>
           <a:p>
@@ -1878,9 +1842,7 @@
             <p:ph type="sldImg"/>
           </p:nvPr>
         </p:nvSpPr>
-        <p:spPr>
-          <a:ln/>
-        </p:spPr>
+        <p:spPr/>
       </p:sp>
       <p:sp>
         <p:nvSpPr>
@@ -1892,9 +1854,7 @@
             <p:ph type="body"/>
           </p:nvPr>
         </p:nvSpPr>
-        <p:spPr>
-          <a:ln/>
-        </p:spPr>
+        <p:spPr/>
         <p:txBody>
           <a:bodyPr wrap="square" lIns="91428" tIns="45714" rIns="91428" bIns="45714" anchor="t"/>
           <a:p>
@@ -1983,9 +1943,7 @@
             <p:ph type="sldImg"/>
           </p:nvPr>
         </p:nvSpPr>
-        <p:spPr>
-          <a:ln/>
-        </p:spPr>
+        <p:spPr/>
       </p:sp>
       <p:sp>
         <p:nvSpPr>
@@ -1997,9 +1955,7 @@
             <p:ph type="body"/>
           </p:nvPr>
         </p:nvSpPr>
-        <p:spPr>
-          <a:ln/>
-        </p:spPr>
+        <p:spPr/>
         <p:txBody>
           <a:bodyPr wrap="square" lIns="91428" tIns="45714" rIns="91428" bIns="45714" anchor="t"/>
           <a:p>
@@ -2088,9 +2044,7 @@
             <p:ph type="sldImg"/>
           </p:nvPr>
         </p:nvSpPr>
-        <p:spPr>
-          <a:ln/>
-        </p:spPr>
+        <p:spPr/>
       </p:sp>
       <p:sp>
         <p:nvSpPr>
@@ -2102,9 +2056,7 @@
             <p:ph type="body"/>
           </p:nvPr>
         </p:nvSpPr>
-        <p:spPr>
-          <a:ln/>
-        </p:spPr>
+        <p:spPr/>
         <p:txBody>
           <a:bodyPr wrap="square" lIns="91428" tIns="45714" rIns="91428" bIns="45714" anchor="t"/>
           <a:p>
@@ -2193,9 +2145,7 @@
             <p:ph type="sldImg"/>
           </p:nvPr>
         </p:nvSpPr>
-        <p:spPr>
-          <a:ln/>
-        </p:spPr>
+        <p:spPr/>
       </p:sp>
       <p:sp>
         <p:nvSpPr>
@@ -2207,9 +2157,7 @@
             <p:ph type="body"/>
           </p:nvPr>
         </p:nvSpPr>
-        <p:spPr>
-          <a:ln/>
-        </p:spPr>
+        <p:spPr/>
         <p:txBody>
           <a:bodyPr wrap="square" lIns="91428" tIns="45714" rIns="91428" bIns="45714" anchor="t"/>
           <a:p>
@@ -2298,9 +2246,7 @@
             <p:ph type="sldImg"/>
           </p:nvPr>
         </p:nvSpPr>
-        <p:spPr>
-          <a:ln/>
-        </p:spPr>
+        <p:spPr/>
       </p:sp>
       <p:sp>
         <p:nvSpPr>
@@ -2312,9 +2258,7 @@
             <p:ph type="body"/>
           </p:nvPr>
         </p:nvSpPr>
-        <p:spPr>
-          <a:ln/>
-        </p:spPr>
+        <p:spPr/>
         <p:txBody>
           <a:bodyPr wrap="square" lIns="91428" tIns="45714" rIns="91428" bIns="45714" anchor="t"/>
           <a:p>
@@ -2403,9 +2347,7 @@
             <p:ph type="sldImg"/>
           </p:nvPr>
         </p:nvSpPr>
-        <p:spPr>
-          <a:ln/>
-        </p:spPr>
+        <p:spPr/>
       </p:sp>
       <p:sp>
         <p:nvSpPr>
@@ -2417,9 +2359,7 @@
             <p:ph type="body"/>
           </p:nvPr>
         </p:nvSpPr>
-        <p:spPr>
-          <a:ln/>
-        </p:spPr>
+        <p:spPr/>
         <p:txBody>
           <a:bodyPr wrap="square" lIns="91428" tIns="45714" rIns="91428" bIns="45714" anchor="t"/>
           <a:p>
@@ -2508,9 +2448,7 @@
             <p:ph type="sldImg"/>
           </p:nvPr>
         </p:nvSpPr>
-        <p:spPr>
-          <a:ln/>
-        </p:spPr>
+        <p:spPr/>
       </p:sp>
       <p:sp>
         <p:nvSpPr>
@@ -2522,9 +2460,7 @@
             <p:ph type="body"/>
           </p:nvPr>
         </p:nvSpPr>
-        <p:spPr>
-          <a:ln/>
-        </p:spPr>
+        <p:spPr/>
         <p:txBody>
           <a:bodyPr wrap="square" lIns="91428" tIns="45714" rIns="91428" bIns="45714" anchor="t"/>
           <a:p>
@@ -2613,9 +2549,7 @@
             <p:ph type="sldImg"/>
           </p:nvPr>
         </p:nvSpPr>
-        <p:spPr>
-          <a:ln/>
-        </p:spPr>
+        <p:spPr/>
       </p:sp>
       <p:sp>
         <p:nvSpPr>
@@ -2627,9 +2561,7 @@
             <p:ph type="body"/>
           </p:nvPr>
         </p:nvSpPr>
-        <p:spPr>
-          <a:ln/>
-        </p:spPr>
+        <p:spPr/>
         <p:txBody>
           <a:bodyPr wrap="square" lIns="91428" tIns="45714" rIns="91428" bIns="45714" anchor="t"/>
           <a:p>
@@ -5143,12 +5075,12 @@
                 <a:ea typeface="微软雅黑" panose="020B0503020204020204" pitchFamily="1" charset="-122"/>
                 <a:cs typeface="微软雅黑" panose="020B0503020204020204" pitchFamily="1" charset="-122"/>
               </a:rPr>
-              <a:t>创建并选择文本（选择</a:t>
+              <a:t>创建并选择文本（文本保存时选择</a:t>
             </a:r>
             <a:r>
               <a:rPr kumimoji="1" lang="en-US" altLang="zh-CN" sz="2400" dirty="0">
                 <a:solidFill>
-                  <a:srgbClr val="000000"/>
+                  <a:srgbClr val="FF0000"/>
                 </a:solidFill>
                 <a:latin typeface="微软雅黑" panose="020B0503020204020204" pitchFamily="1" charset="-122"/>
                 <a:ea typeface="微软雅黑" panose="020B0503020204020204" pitchFamily="1" charset="-122"/>
